--- a/FFPM/FFPM 253.pptx
+++ b/FFPM/FFPM 253.pptx
@@ -108,6 +108,22 @@
       </a:defRPr>
     </a:lvl9pPr>
   </p:defaultTextStyle>
+  <p:extLst>
+    <p:ext uri="{EFAFB233-063F-42B5-8137-9DF3F51BA10A}">
+      <p15:sldGuideLst xmlns:p15="http://schemas.microsoft.com/office/powerpoint/2012/main">
+        <p15:guide id="1" orient="horz" pos="1620">
+          <p15:clr>
+            <a:srgbClr val="A4A3A4"/>
+          </p15:clr>
+        </p15:guide>
+        <p15:guide id="2" pos="2880">
+          <p15:clr>
+            <a:srgbClr val="A4A3A4"/>
+          </p15:clr>
+        </p15:guide>
+      </p15:sldGuideLst>
+    </p:ext>
+  </p:extLst>
 </p:presentation>
 </file>
 
@@ -292,7 +308,7 @@
           <a:p>
             <a:fld id="{AA309A6D-C09C-4548-B29A-6CF363A7E532}" type="datetimeFigureOut">
               <a:rPr lang="fr-FR" smtClean="0"/>
-              <a:t>07/09/2014</a:t>
+              <a:t>06/04/2025</a:t>
             </a:fld>
             <a:endParaRPr lang="fr-BE"/>
           </a:p>
@@ -345,13 +361,13 @@
   <p:clrMapOvr>
     <a:masterClrMapping/>
   </p:clrMapOvr>
-  <mc:AlternateContent xmlns:mc="http://schemas.openxmlformats.org/markup-compatibility/2006">
-    <mc:Choice xmlns:p14="http://schemas.microsoft.com/office/powerpoint/2010/main" Requires="p14">
+  <mc:AlternateContent xmlns:mc="http://schemas.openxmlformats.org/markup-compatibility/2006" xmlns:p14="http://schemas.microsoft.com/office/powerpoint/2010/main">
+    <mc:Choice Requires="p14">
       <p:transition spd="slow">
         <p14:reveal/>
       </p:transition>
     </mc:Choice>
-    <mc:Fallback>
+    <mc:Fallback xmlns="">
       <p:transition spd="slow">
         <p:fade/>
       </p:transition>
@@ -469,7 +485,7 @@
           <a:p>
             <a:fld id="{AA309A6D-C09C-4548-B29A-6CF363A7E532}" type="datetimeFigureOut">
               <a:rPr lang="fr-FR" smtClean="0"/>
-              <a:t>07/09/2014</a:t>
+              <a:t>06/04/2025</a:t>
             </a:fld>
             <a:endParaRPr lang="fr-BE"/>
           </a:p>
@@ -522,13 +538,13 @@
   <p:clrMapOvr>
     <a:masterClrMapping/>
   </p:clrMapOvr>
-  <mc:AlternateContent xmlns:mc="http://schemas.openxmlformats.org/markup-compatibility/2006">
-    <mc:Choice xmlns:p14="http://schemas.microsoft.com/office/powerpoint/2010/main" Requires="p14">
+  <mc:AlternateContent xmlns:mc="http://schemas.openxmlformats.org/markup-compatibility/2006" xmlns:p14="http://schemas.microsoft.com/office/powerpoint/2010/main">
+    <mc:Choice Requires="p14">
       <p:transition spd="slow">
         <p14:reveal/>
       </p:transition>
     </mc:Choice>
-    <mc:Fallback>
+    <mc:Fallback xmlns="">
       <p:transition spd="slow">
         <p:fade/>
       </p:transition>
@@ -656,7 +672,7 @@
           <a:p>
             <a:fld id="{AA309A6D-C09C-4548-B29A-6CF363A7E532}" type="datetimeFigureOut">
               <a:rPr lang="fr-FR" smtClean="0"/>
-              <a:t>07/09/2014</a:t>
+              <a:t>06/04/2025</a:t>
             </a:fld>
             <a:endParaRPr lang="fr-BE"/>
           </a:p>
@@ -709,13 +725,13 @@
   <p:clrMapOvr>
     <a:masterClrMapping/>
   </p:clrMapOvr>
-  <mc:AlternateContent xmlns:mc="http://schemas.openxmlformats.org/markup-compatibility/2006">
-    <mc:Choice xmlns:p14="http://schemas.microsoft.com/office/powerpoint/2010/main" Requires="p14">
+  <mc:AlternateContent xmlns:mc="http://schemas.openxmlformats.org/markup-compatibility/2006" xmlns:p14="http://schemas.microsoft.com/office/powerpoint/2010/main">
+    <mc:Choice Requires="p14">
       <p:transition spd="slow">
         <p14:reveal/>
       </p:transition>
     </mc:Choice>
-    <mc:Fallback>
+    <mc:Fallback xmlns="">
       <p:transition spd="slow">
         <p:fade/>
       </p:transition>
@@ -833,7 +849,7 @@
           <a:p>
             <a:fld id="{AA309A6D-C09C-4548-B29A-6CF363A7E532}" type="datetimeFigureOut">
               <a:rPr lang="fr-FR" smtClean="0"/>
-              <a:t>07/09/2014</a:t>
+              <a:t>06/04/2025</a:t>
             </a:fld>
             <a:endParaRPr lang="fr-BE"/>
           </a:p>
@@ -886,13 +902,13 @@
   <p:clrMapOvr>
     <a:masterClrMapping/>
   </p:clrMapOvr>
-  <mc:AlternateContent xmlns:mc="http://schemas.openxmlformats.org/markup-compatibility/2006">
-    <mc:Choice xmlns:p14="http://schemas.microsoft.com/office/powerpoint/2010/main" Requires="p14">
+  <mc:AlternateContent xmlns:mc="http://schemas.openxmlformats.org/markup-compatibility/2006" xmlns:p14="http://schemas.microsoft.com/office/powerpoint/2010/main">
+    <mc:Choice Requires="p14">
       <p:transition spd="slow">
         <p14:reveal/>
       </p:transition>
     </mc:Choice>
-    <mc:Fallback>
+    <mc:Fallback xmlns="">
       <p:transition spd="slow">
         <p:fade/>
       </p:transition>
@@ -1086,7 +1102,7 @@
           <a:p>
             <a:fld id="{AA309A6D-C09C-4548-B29A-6CF363A7E532}" type="datetimeFigureOut">
               <a:rPr lang="fr-FR" smtClean="0"/>
-              <a:t>07/09/2014</a:t>
+              <a:t>06/04/2025</a:t>
             </a:fld>
             <a:endParaRPr lang="fr-BE"/>
           </a:p>
@@ -1139,13 +1155,13 @@
   <p:clrMapOvr>
     <a:masterClrMapping/>
   </p:clrMapOvr>
-  <mc:AlternateContent xmlns:mc="http://schemas.openxmlformats.org/markup-compatibility/2006">
-    <mc:Choice xmlns:p14="http://schemas.microsoft.com/office/powerpoint/2010/main" Requires="p14">
+  <mc:AlternateContent xmlns:mc="http://schemas.openxmlformats.org/markup-compatibility/2006" xmlns:p14="http://schemas.microsoft.com/office/powerpoint/2010/main">
+    <mc:Choice Requires="p14">
       <p:transition spd="slow">
         <p14:reveal/>
       </p:transition>
     </mc:Choice>
-    <mc:Fallback>
+    <mc:Fallback xmlns="">
       <p:transition spd="slow">
         <p:fade/>
       </p:transition>
@@ -1381,7 +1397,7 @@
           <a:p>
             <a:fld id="{AA309A6D-C09C-4548-B29A-6CF363A7E532}" type="datetimeFigureOut">
               <a:rPr lang="fr-FR" smtClean="0"/>
-              <a:t>07/09/2014</a:t>
+              <a:t>06/04/2025</a:t>
             </a:fld>
             <a:endParaRPr lang="fr-BE"/>
           </a:p>
@@ -1434,13 +1450,13 @@
   <p:clrMapOvr>
     <a:masterClrMapping/>
   </p:clrMapOvr>
-  <mc:AlternateContent xmlns:mc="http://schemas.openxmlformats.org/markup-compatibility/2006">
-    <mc:Choice xmlns:p14="http://schemas.microsoft.com/office/powerpoint/2010/main" Requires="p14">
+  <mc:AlternateContent xmlns:mc="http://schemas.openxmlformats.org/markup-compatibility/2006" xmlns:p14="http://schemas.microsoft.com/office/powerpoint/2010/main">
+    <mc:Choice Requires="p14">
       <p:transition spd="slow">
         <p14:reveal/>
       </p:transition>
     </mc:Choice>
-    <mc:Fallback>
+    <mc:Fallback xmlns="">
       <p:transition spd="slow">
         <p:fade/>
       </p:transition>
@@ -1810,7 +1826,7 @@
           <a:p>
             <a:fld id="{AA309A6D-C09C-4548-B29A-6CF363A7E532}" type="datetimeFigureOut">
               <a:rPr lang="fr-FR" smtClean="0"/>
-              <a:t>07/09/2014</a:t>
+              <a:t>06/04/2025</a:t>
             </a:fld>
             <a:endParaRPr lang="fr-BE"/>
           </a:p>
@@ -1863,13 +1879,13 @@
   <p:clrMapOvr>
     <a:masterClrMapping/>
   </p:clrMapOvr>
-  <mc:AlternateContent xmlns:mc="http://schemas.openxmlformats.org/markup-compatibility/2006">
-    <mc:Choice xmlns:p14="http://schemas.microsoft.com/office/powerpoint/2010/main" Requires="p14">
+  <mc:AlternateContent xmlns:mc="http://schemas.openxmlformats.org/markup-compatibility/2006" xmlns:p14="http://schemas.microsoft.com/office/powerpoint/2010/main">
+    <mc:Choice Requires="p14">
       <p:transition spd="slow">
         <p14:reveal/>
       </p:transition>
     </mc:Choice>
-    <mc:Fallback>
+    <mc:Fallback xmlns="">
       <p:transition spd="slow">
         <p:fade/>
       </p:transition>
@@ -1935,7 +1951,7 @@
           <a:p>
             <a:fld id="{AA309A6D-C09C-4548-B29A-6CF363A7E532}" type="datetimeFigureOut">
               <a:rPr lang="fr-FR" smtClean="0"/>
-              <a:t>07/09/2014</a:t>
+              <a:t>06/04/2025</a:t>
             </a:fld>
             <a:endParaRPr lang="fr-BE"/>
           </a:p>
@@ -1988,13 +2004,13 @@
   <p:clrMapOvr>
     <a:masterClrMapping/>
   </p:clrMapOvr>
-  <mc:AlternateContent xmlns:mc="http://schemas.openxmlformats.org/markup-compatibility/2006">
-    <mc:Choice xmlns:p14="http://schemas.microsoft.com/office/powerpoint/2010/main" Requires="p14">
+  <mc:AlternateContent xmlns:mc="http://schemas.openxmlformats.org/markup-compatibility/2006" xmlns:p14="http://schemas.microsoft.com/office/powerpoint/2010/main">
+    <mc:Choice Requires="p14">
       <p:transition spd="slow">
         <p14:reveal/>
       </p:transition>
     </mc:Choice>
-    <mc:Fallback>
+    <mc:Fallback xmlns="">
       <p:transition spd="slow">
         <p:fade/>
       </p:transition>
@@ -2037,7 +2053,7 @@
           <a:p>
             <a:fld id="{AA309A6D-C09C-4548-B29A-6CF363A7E532}" type="datetimeFigureOut">
               <a:rPr lang="fr-FR" smtClean="0"/>
-              <a:t>07/09/2014</a:t>
+              <a:t>06/04/2025</a:t>
             </a:fld>
             <a:endParaRPr lang="fr-BE"/>
           </a:p>
@@ -2090,13 +2106,13 @@
   <p:clrMapOvr>
     <a:masterClrMapping/>
   </p:clrMapOvr>
-  <mc:AlternateContent xmlns:mc="http://schemas.openxmlformats.org/markup-compatibility/2006">
-    <mc:Choice xmlns:p14="http://schemas.microsoft.com/office/powerpoint/2010/main" Requires="p14">
+  <mc:AlternateContent xmlns:mc="http://schemas.openxmlformats.org/markup-compatibility/2006" xmlns:p14="http://schemas.microsoft.com/office/powerpoint/2010/main">
+    <mc:Choice Requires="p14">
       <p:transition spd="slow">
         <p14:reveal/>
       </p:transition>
     </mc:Choice>
-    <mc:Fallback>
+    <mc:Fallback xmlns="">
       <p:transition spd="slow">
         <p:fade/>
       </p:transition>
@@ -2321,7 +2337,7 @@
           <a:p>
             <a:fld id="{AA309A6D-C09C-4548-B29A-6CF363A7E532}" type="datetimeFigureOut">
               <a:rPr lang="fr-FR" smtClean="0"/>
-              <a:t>07/09/2014</a:t>
+              <a:t>06/04/2025</a:t>
             </a:fld>
             <a:endParaRPr lang="fr-BE"/>
           </a:p>
@@ -2374,13 +2390,13 @@
   <p:clrMapOvr>
     <a:masterClrMapping/>
   </p:clrMapOvr>
-  <mc:AlternateContent xmlns:mc="http://schemas.openxmlformats.org/markup-compatibility/2006">
-    <mc:Choice xmlns:p14="http://schemas.microsoft.com/office/powerpoint/2010/main" Requires="p14">
+  <mc:AlternateContent xmlns:mc="http://schemas.openxmlformats.org/markup-compatibility/2006" xmlns:p14="http://schemas.microsoft.com/office/powerpoint/2010/main">
+    <mc:Choice Requires="p14">
       <p:transition spd="slow">
         <p14:reveal/>
       </p:transition>
     </mc:Choice>
-    <mc:Fallback>
+    <mc:Fallback xmlns="">
       <p:transition spd="slow">
         <p:fade/>
       </p:transition>
@@ -2581,7 +2597,7 @@
           <a:p>
             <a:fld id="{AA309A6D-C09C-4548-B29A-6CF363A7E532}" type="datetimeFigureOut">
               <a:rPr lang="fr-FR" smtClean="0"/>
-              <a:t>07/09/2014</a:t>
+              <a:t>06/04/2025</a:t>
             </a:fld>
             <a:endParaRPr lang="fr-BE"/>
           </a:p>
@@ -2634,13 +2650,13 @@
   <p:clrMapOvr>
     <a:masterClrMapping/>
   </p:clrMapOvr>
-  <mc:AlternateContent xmlns:mc="http://schemas.openxmlformats.org/markup-compatibility/2006">
-    <mc:Choice xmlns:p14="http://schemas.microsoft.com/office/powerpoint/2010/main" Requires="p14">
+  <mc:AlternateContent xmlns:mc="http://schemas.openxmlformats.org/markup-compatibility/2006" xmlns:p14="http://schemas.microsoft.com/office/powerpoint/2010/main">
+    <mc:Choice Requires="p14">
       <p:transition spd="slow">
         <p14:reveal/>
       </p:transition>
     </mc:Choice>
-    <mc:Fallback>
+    <mc:Fallback xmlns="">
       <p:transition spd="slow">
         <p:fade/>
       </p:transition>
@@ -2822,7 +2838,7 @@
           <a:p>
             <a:fld id="{AA309A6D-C09C-4548-B29A-6CF363A7E532}" type="datetimeFigureOut">
               <a:rPr lang="fr-FR" smtClean="0"/>
-              <a:t>07/09/2014</a:t>
+              <a:t>06/04/2025</a:t>
             </a:fld>
             <a:endParaRPr lang="fr-BE"/>
           </a:p>
@@ -2922,13 +2938,13 @@
     <p:sldLayoutId id="2147483658" r:id="rId10"/>
     <p:sldLayoutId id="2147483659" r:id="rId11"/>
   </p:sldLayoutIdLst>
-  <mc:AlternateContent xmlns:mc="http://schemas.openxmlformats.org/markup-compatibility/2006">
-    <mc:Choice xmlns:p14="http://schemas.microsoft.com/office/powerpoint/2010/main" Requires="p14">
+  <mc:AlternateContent xmlns:mc="http://schemas.openxmlformats.org/markup-compatibility/2006" xmlns:p14="http://schemas.microsoft.com/office/powerpoint/2010/main">
+    <mc:Choice Requires="p14">
       <p:transition spd="slow">
         <p14:reveal/>
       </p:transition>
     </mc:Choice>
-    <mc:Fallback>
+    <mc:Fallback xmlns="">
       <p:transition spd="slow">
         <p:fade/>
       </p:transition>
@@ -3302,13 +3318,13 @@
   <p:clrMapOvr>
     <a:masterClrMapping/>
   </p:clrMapOvr>
-  <mc:AlternateContent xmlns:mc="http://schemas.openxmlformats.org/markup-compatibility/2006">
-    <mc:Choice xmlns:p14="http://schemas.microsoft.com/office/powerpoint/2010/main" Requires="p14">
+  <mc:AlternateContent xmlns:mc="http://schemas.openxmlformats.org/markup-compatibility/2006" xmlns:p14="http://schemas.microsoft.com/office/powerpoint/2010/main">
+    <mc:Choice Requires="p14">
       <p:transition spd="slow">
         <p14:reveal/>
       </p:transition>
     </mc:Choice>
-    <mc:Fallback>
+    <mc:Fallback xmlns="">
       <p:transition spd="slow">
         <p:fade/>
       </p:transition>
@@ -3365,11 +3381,7 @@
             <a:pPr algn="ctr"/>
             <a:r>
               <a:rPr lang="en-GB" sz="7200" b="1" dirty="0"/>
-              <a:t>1</a:t>
-            </a:r>
-            <a:r>
-              <a:rPr lang="en-GB" sz="7200" b="1" dirty="0"/>
-              <a:t> </a:t>
+              <a:t>1 </a:t>
             </a:r>
             <a:r>
               <a:rPr lang="en-GB" sz="7200" b="1" dirty="0" err="1"/>
@@ -3475,13 +3487,13 @@
   <p:clrMapOvr>
     <a:masterClrMapping/>
   </p:clrMapOvr>
-  <mc:AlternateContent xmlns:mc="http://schemas.openxmlformats.org/markup-compatibility/2006">
-    <mc:Choice xmlns:p14="http://schemas.microsoft.com/office/powerpoint/2010/main" Requires="p14">
+  <mc:AlternateContent xmlns:mc="http://schemas.openxmlformats.org/markup-compatibility/2006" xmlns:p14="http://schemas.microsoft.com/office/powerpoint/2010/main">
+    <mc:Choice Requires="p14">
       <p:transition spd="slow">
         <p14:reveal/>
       </p:transition>
     </mc:Choice>
-    <mc:Fallback>
+    <mc:Fallback xmlns="">
       <p:transition spd="slow">
         <p:fade/>
       </p:transition>
@@ -3538,11 +3550,7 @@
             <a:pPr algn="ctr"/>
             <a:r>
               <a:rPr lang="en-GB" sz="6600" b="1" dirty="0"/>
-              <a:t>2</a:t>
-            </a:r>
-            <a:r>
-              <a:rPr lang="en-GB" sz="6600" b="1" dirty="0"/>
-              <a:t> </a:t>
+              <a:t>2 </a:t>
             </a:r>
             <a:r>
               <a:rPr lang="en-GB" sz="6600" b="1" dirty="0" err="1"/>
@@ -3680,13 +3688,13 @@
   <p:clrMapOvr>
     <a:masterClrMapping/>
   </p:clrMapOvr>
-  <mc:AlternateContent xmlns:mc="http://schemas.openxmlformats.org/markup-compatibility/2006">
-    <mc:Choice xmlns:p14="http://schemas.microsoft.com/office/powerpoint/2010/main" Requires="p14">
+  <mc:AlternateContent xmlns:mc="http://schemas.openxmlformats.org/markup-compatibility/2006" xmlns:p14="http://schemas.microsoft.com/office/powerpoint/2010/main">
+    <mc:Choice Requires="p14">
       <p:transition spd="slow">
         <p14:reveal/>
       </p:transition>
     </mc:Choice>
-    <mc:Fallback>
+    <mc:Fallback xmlns="">
       <p:transition spd="slow">
         <p:fade/>
       </p:transition>
@@ -3736,7 +3744,11 @@
             <a:pPr algn="ctr"/>
             <a:r>
               <a:rPr lang="en-GB" sz="6600" b="1" dirty="0"/>
-              <a:t>3</a:t>
+              <a:t>3 </a:t>
+            </a:r>
+            <a:r>
+              <a:rPr lang="en-GB" sz="6600" b="1" dirty="0" err="1"/>
+              <a:t>Tsaroanay</a:t>
             </a:r>
             <a:r>
               <a:rPr lang="en-GB" sz="6600" b="1" dirty="0"/>
@@ -3744,7 +3756,7 @@
             </a:r>
             <a:r>
               <a:rPr lang="en-GB" sz="6600" b="1" dirty="0" err="1"/>
-              <a:t>Tsaroanay</a:t>
+              <a:t>ny</a:t>
             </a:r>
             <a:r>
               <a:rPr lang="en-GB" sz="6600" b="1" dirty="0"/>
@@ -3752,7 +3764,23 @@
             </a:r>
             <a:r>
               <a:rPr lang="en-GB" sz="6600" b="1" dirty="0" err="1"/>
-              <a:t>ny</a:t>
+              <a:t>dianao</a:t>
+            </a:r>
+            <a:r>
+              <a:rPr lang="en-GB" sz="6600" b="1" dirty="0"/>
+              <a:t>,</a:t>
+            </a:r>
+            <a:endParaRPr lang="fr-FR" sz="6600" b="1" dirty="0"/>
+          </a:p>
+          <a:p>
+            <a:pPr algn="ctr"/>
+            <a:r>
+              <a:rPr lang="en-GB" sz="6600" b="1" dirty="0"/>
+              <a:t>    </a:t>
+            </a:r>
+            <a:r>
+              <a:rPr lang="en-GB" sz="6600" b="1" dirty="0" err="1"/>
+              <a:t>Ny</a:t>
             </a:r>
             <a:r>
               <a:rPr lang="en-GB" sz="6600" b="1" dirty="0"/>
@@ -3760,7 +3788,23 @@
             </a:r>
             <a:r>
               <a:rPr lang="en-GB" sz="6600" b="1" dirty="0" err="1"/>
-              <a:t>dianao</a:t>
+              <a:t>ra</a:t>
+            </a:r>
+            <a:r>
+              <a:rPr lang="en-GB" sz="6600" b="1" dirty="0"/>
+              <a:t> </a:t>
+            </a:r>
+            <a:r>
+              <a:rPr lang="en-GB" sz="6600" b="1" dirty="0" err="1"/>
+              <a:t>sy</a:t>
+            </a:r>
+            <a:r>
+              <a:rPr lang="en-GB" sz="6600" b="1" dirty="0"/>
+              <a:t> </a:t>
+            </a:r>
+            <a:r>
+              <a:rPr lang="en-GB" sz="6600" b="1" dirty="0" err="1"/>
+              <a:t>fijalianao</a:t>
             </a:r>
             <a:r>
               <a:rPr lang="en-GB" sz="6600" b="1" dirty="0"/>
@@ -3772,7 +3816,7 @@
             <a:pPr algn="ctr"/>
             <a:r>
               <a:rPr lang="en-GB" sz="6600" b="1" dirty="0"/>
-              <a:t>    </a:t>
+              <a:t>   </a:t>
             </a:r>
             <a:r>
               <a:rPr lang="en-GB" sz="6600" b="1" dirty="0" err="1"/>
@@ -3784,55 +3828,15 @@
             </a:r>
             <a:r>
               <a:rPr lang="en-GB" sz="6600" b="1" dirty="0" err="1"/>
-              <a:t>ra</a:t>
+              <a:t>nisoloanao</a:t>
             </a:r>
             <a:r>
               <a:rPr lang="en-GB" sz="6600" b="1" dirty="0"/>
               <a:t> </a:t>
             </a:r>
             <a:r>
-              <a:rPr lang="en-GB" sz="6600" b="1" dirty="0" err="1"/>
-              <a:t>sy</a:t>
-            </a:r>
-            <a:r>
-              <a:rPr lang="en-GB" sz="6600" b="1" dirty="0"/>
-              <a:t> </a:t>
-            </a:r>
-            <a:r>
-              <a:rPr lang="en-GB" sz="6600" b="1" dirty="0" err="1"/>
-              <a:t>fijalianao</a:t>
-            </a:r>
-            <a:r>
-              <a:rPr lang="en-GB" sz="6600" b="1" dirty="0"/>
-              <a:t>,</a:t>
-            </a:r>
-            <a:endParaRPr lang="fr-FR" sz="6600" b="1" dirty="0"/>
-          </a:p>
-          <a:p>
-            <a:pPr algn="ctr"/>
-            <a:r>
-              <a:rPr lang="en-GB" sz="6600" b="1" dirty="0"/>
-              <a:t>   </a:t>
-            </a:r>
-            <a:r>
-              <a:rPr lang="en-GB" sz="6600" b="1" dirty="0" err="1"/>
-              <a:t>Ny</a:t>
-            </a:r>
-            <a:r>
-              <a:rPr lang="en-GB" sz="6600" b="1" dirty="0"/>
-              <a:t> </a:t>
-            </a:r>
-            <a:r>
-              <a:rPr lang="en-GB" sz="6600" b="1" dirty="0" err="1"/>
-              <a:t>nisoloanao</a:t>
-            </a:r>
-            <a:r>
-              <a:rPr lang="en-GB" sz="6600" b="1" dirty="0"/>
-              <a:t> </a:t>
-            </a:r>
-            <a:r>
-              <a:rPr lang="en-GB" sz="6600" b="1" dirty="0" err="1"/>
-              <a:t>aay</a:t>
+              <a:rPr lang="en-GB" sz="6600" b="1" dirty="0" err="1" smtClean="0"/>
+              <a:t>anay</a:t>
             </a:r>
             <a:r>
               <a:rPr lang="en-GB" sz="6600" b="1" dirty="0"/>
@@ -3882,13 +3886,13 @@
   <p:clrMapOvr>
     <a:masterClrMapping/>
   </p:clrMapOvr>
-  <mc:AlternateContent xmlns:mc="http://schemas.openxmlformats.org/markup-compatibility/2006">
-    <mc:Choice xmlns:p14="http://schemas.microsoft.com/office/powerpoint/2010/main" Requires="p14">
+  <mc:AlternateContent xmlns:mc="http://schemas.openxmlformats.org/markup-compatibility/2006" xmlns:p14="http://schemas.microsoft.com/office/powerpoint/2010/main">
+    <mc:Choice Requires="p14">
       <p:transition spd="slow">
         <p14:reveal/>
       </p:transition>
     </mc:Choice>
-    <mc:Fallback>
+    <mc:Fallback xmlns="">
       <p:transition spd="slow">
         <p:fade/>
       </p:transition>
@@ -3938,7 +3942,11 @@
             <a:pPr algn="ctr"/>
             <a:r>
               <a:rPr lang="en-GB" sz="6600" b="1" dirty="0"/>
-              <a:t>4</a:t>
+              <a:t>4 </a:t>
+            </a:r>
+            <a:r>
+              <a:rPr lang="en-GB" sz="6600" b="1" dirty="0" err="1"/>
+              <a:t>Ny</a:t>
             </a:r>
             <a:r>
               <a:rPr lang="en-GB" sz="6600" b="1" dirty="0"/>
@@ -3946,7 +3954,7 @@
             </a:r>
             <a:r>
               <a:rPr lang="en-GB" sz="6600" b="1" dirty="0" err="1"/>
-              <a:t>Ny</a:t>
+              <a:t>teninao</a:t>
             </a:r>
             <a:r>
               <a:rPr lang="en-GB" sz="6600" b="1" dirty="0"/>
@@ -3954,7 +3962,27 @@
             </a:r>
             <a:r>
               <a:rPr lang="en-GB" sz="6600" b="1" dirty="0" err="1"/>
-              <a:t>teninao</a:t>
+              <a:t>natolotra</a:t>
+            </a:r>
+            <a:r>
+              <a:rPr lang="en-GB" sz="6600" b="1" dirty="0"/>
+              <a:t>,</a:t>
+            </a:r>
+            <a:endParaRPr lang="fr-FR" sz="6600" b="1" dirty="0"/>
+          </a:p>
+          <a:p>
+            <a:pPr algn="ctr"/>
+            <a:r>
+              <a:rPr lang="en-GB" sz="6600" b="1" dirty="0" err="1" smtClean="0"/>
+              <a:t>Ny</a:t>
+            </a:r>
+            <a:r>
+              <a:rPr lang="en-GB" sz="6600" b="1" dirty="0" smtClean="0"/>
+              <a:t> </a:t>
+            </a:r>
+            <a:r>
+              <a:rPr lang="en-GB" sz="6600" b="1" dirty="0" err="1"/>
+              <a:t>ranao</a:t>
             </a:r>
             <a:r>
               <a:rPr lang="en-GB" sz="6600" b="1" dirty="0"/>
@@ -3962,7 +3990,15 @@
             </a:r>
             <a:r>
               <a:rPr lang="en-GB" sz="6600" b="1" dirty="0" err="1"/>
-              <a:t>natolotra</a:t>
+              <a:t>dia</a:t>
+            </a:r>
+            <a:r>
+              <a:rPr lang="en-GB" sz="6600" b="1" dirty="0"/>
+              <a:t> </a:t>
+            </a:r>
+            <a:r>
+              <a:rPr lang="en-GB" sz="6600" b="1" dirty="0" err="1"/>
+              <a:t>nalatsaka</a:t>
             </a:r>
             <a:r>
               <a:rPr lang="en-GB" sz="6600" b="1" dirty="0"/>
@@ -3974,7 +4010,7 @@
             <a:pPr algn="ctr"/>
             <a:r>
               <a:rPr lang="en-GB" sz="6600" b="1" dirty="0" err="1" smtClean="0"/>
-              <a:t>Ny</a:t>
+              <a:t>Sakafo</a:t>
             </a:r>
             <a:r>
               <a:rPr lang="en-GB" sz="6600" b="1" dirty="0" smtClean="0"/>
@@ -3982,7 +4018,27 @@
             </a:r>
             <a:r>
               <a:rPr lang="en-GB" sz="6600" b="1" dirty="0" err="1"/>
-              <a:t>ranao</a:t>
+              <a:t>iombonanay</a:t>
+            </a:r>
+            <a:r>
+              <a:rPr lang="en-GB" sz="6600" b="1" dirty="0"/>
+              <a:t>,</a:t>
+            </a:r>
+            <a:endParaRPr lang="fr-FR" sz="6600" b="1" dirty="0"/>
+          </a:p>
+          <a:p>
+            <a:pPr algn="ctr"/>
+            <a:r>
+              <a:rPr lang="en-GB" sz="6600" b="1" dirty="0" err="1" smtClean="0"/>
+              <a:t>Ho</a:t>
+            </a:r>
+            <a:r>
+              <a:rPr lang="en-GB" sz="6600" b="1" dirty="0" smtClean="0"/>
+              <a:t> </a:t>
+            </a:r>
+            <a:r>
+              <a:rPr lang="en-GB" sz="6600" b="1" dirty="0" err="1"/>
+              <a:t>tena</a:t>
             </a:r>
             <a:r>
               <a:rPr lang="en-GB" sz="6600" b="1" dirty="0"/>
@@ -3990,74 +4046,18 @@
             </a:r>
             <a:r>
               <a:rPr lang="en-GB" sz="6600" b="1" dirty="0" err="1"/>
-              <a:t>dia</a:t>
+              <a:t>sy</a:t>
             </a:r>
             <a:r>
               <a:rPr lang="en-GB" sz="6600" b="1" dirty="0"/>
               <a:t> </a:t>
             </a:r>
             <a:r>
-              <a:rPr lang="en-GB" sz="6600" b="1" dirty="0" err="1"/>
-              <a:t>nalatsaka</a:t>
-            </a:r>
-            <a:r>
-              <a:rPr lang="en-GB" sz="6600" b="1" dirty="0"/>
-              <a:t>,</a:t>
-            </a:r>
-            <a:endParaRPr lang="fr-FR" sz="6600" b="1" dirty="0"/>
-          </a:p>
-          <a:p>
-            <a:pPr algn="ctr"/>
-            <a:r>
-              <a:rPr lang="en-GB" sz="6600" b="1" dirty="0" err="1" smtClean="0"/>
-              <a:t>Sakafo</a:t>
+              <a:rPr lang="en-GB" sz="6600" b="1" smtClean="0"/>
+              <a:t>fanahy</a:t>
             </a:r>
             <a:r>
               <a:rPr lang="en-GB" sz="6600" b="1" dirty="0" smtClean="0"/>
-              <a:t> </a:t>
-            </a:r>
-            <a:r>
-              <a:rPr lang="en-GB" sz="6600" b="1" dirty="0" err="1"/>
-              <a:t>iombonanay</a:t>
-            </a:r>
-            <a:r>
-              <a:rPr lang="en-GB" sz="6600" b="1" dirty="0"/>
-              <a:t>,</a:t>
-            </a:r>
-            <a:endParaRPr lang="fr-FR" sz="6600" b="1" dirty="0"/>
-          </a:p>
-          <a:p>
-            <a:pPr algn="ctr"/>
-            <a:r>
-              <a:rPr lang="en-GB" sz="6600" b="1" dirty="0" err="1" smtClean="0"/>
-              <a:t>Ho</a:t>
-            </a:r>
-            <a:r>
-              <a:rPr lang="en-GB" sz="6600" b="1" dirty="0" smtClean="0"/>
-              <a:t> </a:t>
-            </a:r>
-            <a:r>
-              <a:rPr lang="en-GB" sz="6600" b="1" dirty="0" err="1"/>
-              <a:t>tena</a:t>
-            </a:r>
-            <a:r>
-              <a:rPr lang="en-GB" sz="6600" b="1" dirty="0"/>
-              <a:t> </a:t>
-            </a:r>
-            <a:r>
-              <a:rPr lang="en-GB" sz="6600" b="1" dirty="0" err="1"/>
-              <a:t>sy</a:t>
-            </a:r>
-            <a:r>
-              <a:rPr lang="en-GB" sz="6600" b="1" dirty="0"/>
-              <a:t> </a:t>
-            </a:r>
-            <a:r>
-              <a:rPr lang="en-GB" sz="6600" b="1" dirty="0" err="1"/>
-              <a:t>fnahy</a:t>
-            </a:r>
-            <a:r>
-              <a:rPr lang="en-GB" sz="6600" b="1" dirty="0"/>
               <a:t> </a:t>
             </a:r>
             <a:r>
@@ -4084,13 +4084,13 @@
   <p:clrMapOvr>
     <a:masterClrMapping/>
   </p:clrMapOvr>
-  <mc:AlternateContent xmlns:mc="http://schemas.openxmlformats.org/markup-compatibility/2006">
-    <mc:Choice xmlns:p14="http://schemas.microsoft.com/office/powerpoint/2010/main" Requires="p14">
+  <mc:AlternateContent xmlns:mc="http://schemas.openxmlformats.org/markup-compatibility/2006" xmlns:p14="http://schemas.microsoft.com/office/powerpoint/2010/main">
+    <mc:Choice Requires="p14">
       <p:transition spd="slow">
         <p14:reveal/>
       </p:transition>
     </mc:Choice>
-    <mc:Fallback>
+    <mc:Fallback xmlns="">
       <p:transition spd="slow">
         <p:fade/>
       </p:transition>
